--- a/Präsentation/TicTacToeProjekt.pptx
+++ b/Präsentation/TicTacToeProjekt.pptx
@@ -5,7 +5,7 @@
     <p:sldMasterId id="2147483660" r:id="rId1"/>
   </p:sldMasterIdLst>
   <p:notesMasterIdLst>
-    <p:notesMasterId r:id="rId14"/>
+    <p:notesMasterId r:id="rId15"/>
   </p:notesMasterIdLst>
   <p:sldIdLst>
     <p:sldId id="256" r:id="rId2"/>
@@ -17,9 +17,10 @@
     <p:sldId id="262" r:id="rId8"/>
     <p:sldId id="258" r:id="rId9"/>
     <p:sldId id="263" r:id="rId10"/>
-    <p:sldId id="269" r:id="rId11"/>
-    <p:sldId id="264" r:id="rId12"/>
-    <p:sldId id="259" r:id="rId13"/>
+    <p:sldId id="270" r:id="rId11"/>
+    <p:sldId id="269" r:id="rId12"/>
+    <p:sldId id="264" r:id="rId13"/>
+    <p:sldId id="259" r:id="rId14"/>
   </p:sldIdLst>
   <p:sldSz cx="12192000" cy="6858000"/>
   <p:notesSz cx="6858000" cy="9144000"/>
@@ -118,6 +119,11 @@
       </a:defRPr>
     </a:lvl9pPr>
   </p:defaultTextStyle>
+  <p:extLst>
+    <p:ext uri="{EFAFB233-063F-42B5-8137-9DF3F51BA10A}">
+      <p15:sldGuideLst xmlns:p15="http://schemas.microsoft.com/office/powerpoint/2012/main"/>
+    </p:ext>
+  </p:extLst>
 </p:presentation>
 </file>
 
@@ -203,7 +209,7 @@
           <a:p>
             <a:fld id="{07B4FF00-457E-4C16-A85F-02D20094CE86}" type="datetimeFigureOut">
               <a:rPr lang="de-DE" smtClean="0"/>
-              <a:t>16.05.2019</a:t>
+              <a:t>17.05.2019</a:t>
             </a:fld>
             <a:endParaRPr lang="de-DE"/>
           </a:p>
@@ -361,7 +367,7 @@
           <a:p>
             <a:fld id="{3E055D0A-9192-48B8-847D-1167BBF58D80}" type="slidenum">
               <a:rPr lang="de-DE" smtClean="0"/>
-              <a:t>‹Nr.›</a:t>
+              <a:t>‹#›</a:t>
             </a:fld>
             <a:endParaRPr lang="de-DE"/>
           </a:p>
@@ -638,7 +644,7 @@
           <a:p>
             <a:fld id="{AFAAC454-31C6-48DD-823F-644E3106158F}" type="datetime1">
               <a:rPr lang="de-DE" smtClean="0"/>
-              <a:t>16.05.2019</a:t>
+              <a:t>17.05.2019</a:t>
             </a:fld>
             <a:endParaRPr lang="de-DE"/>
           </a:p>
@@ -703,7 +709,7 @@
           <a:p>
             <a:fld id="{D8537A28-7919-4B2A-B05E-28DB475A12E0}" type="slidenum">
               <a:rPr lang="de-DE" smtClean="0"/>
-              <a:t>‹Nr.›</a:t>
+              <a:t>‹#›</a:t>
             </a:fld>
             <a:endParaRPr lang="de-DE"/>
           </a:p>
@@ -757,13 +763,13 @@
   <p:clrMapOvr>
     <a:overrideClrMapping bg1="dk1" tx1="lt1" bg2="dk2" tx2="lt2" accent1="accent1" accent2="accent2" accent3="accent3" accent4="accent4" accent5="accent5" accent6="accent6" hlink="hlink" folHlink="folHlink"/>
   </p:clrMapOvr>
-  <mc:AlternateContent xmlns:mc="http://schemas.openxmlformats.org/markup-compatibility/2006">
-    <mc:Choice xmlns:p14="http://schemas.microsoft.com/office/powerpoint/2010/main" Requires="p14">
+  <mc:AlternateContent xmlns:mc="http://schemas.openxmlformats.org/markup-compatibility/2006" xmlns:p14="http://schemas.microsoft.com/office/powerpoint/2010/main">
+    <mc:Choice Requires="p14">
       <p:transition spd="med" p14:dur="700">
         <p:fade/>
       </p:transition>
     </mc:Choice>
-    <mc:Fallback>
+    <mc:Fallback xmlns="">
       <p:transition spd="med">
         <p:fade/>
       </p:transition>
@@ -881,7 +887,7 @@
           <a:p>
             <a:fld id="{4145B462-73D9-4DA4-AC81-DE2DB63F1F2C}" type="datetime1">
               <a:rPr lang="de-DE" smtClean="0"/>
-              <a:t>16.05.2019</a:t>
+              <a:t>17.05.2019</a:t>
             </a:fld>
             <a:endParaRPr lang="de-DE"/>
           </a:p>
@@ -926,7 +932,7 @@
           <a:p>
             <a:fld id="{D8537A28-7919-4B2A-B05E-28DB475A12E0}" type="slidenum">
               <a:rPr lang="de-DE" smtClean="0"/>
-              <a:t>‹Nr.›</a:t>
+              <a:t>‹#›</a:t>
             </a:fld>
             <a:endParaRPr lang="de-DE"/>
           </a:p>
@@ -942,13 +948,13 @@
   <p:clrMapOvr>
     <a:masterClrMapping/>
   </p:clrMapOvr>
-  <mc:AlternateContent xmlns:mc="http://schemas.openxmlformats.org/markup-compatibility/2006">
-    <mc:Choice xmlns:p14="http://schemas.microsoft.com/office/powerpoint/2010/main" Requires="p14">
+  <mc:AlternateContent xmlns:mc="http://schemas.openxmlformats.org/markup-compatibility/2006" xmlns:p14="http://schemas.microsoft.com/office/powerpoint/2010/main">
+    <mc:Choice Requires="p14">
       <p:transition spd="med" p14:dur="700">
         <p:fade/>
       </p:transition>
     </mc:Choice>
-    <mc:Fallback>
+    <mc:Fallback xmlns="">
       <p:transition spd="med">
         <p:fade/>
       </p:transition>
@@ -1076,7 +1082,7 @@
           <a:p>
             <a:fld id="{2995CCB6-A22B-4512-A1F7-1F7C95DAAD59}" type="datetime1">
               <a:rPr lang="de-DE" smtClean="0"/>
-              <a:t>16.05.2019</a:t>
+              <a:t>17.05.2019</a:t>
             </a:fld>
             <a:endParaRPr lang="de-DE"/>
           </a:p>
@@ -1121,7 +1127,7 @@
           <a:p>
             <a:fld id="{D8537A28-7919-4B2A-B05E-28DB475A12E0}" type="slidenum">
               <a:rPr lang="de-DE" smtClean="0"/>
-              <a:t>‹Nr.›</a:t>
+              <a:t>‹#›</a:t>
             </a:fld>
             <a:endParaRPr lang="de-DE"/>
           </a:p>
@@ -1137,13 +1143,13 @@
   <p:clrMapOvr>
     <a:masterClrMapping/>
   </p:clrMapOvr>
-  <mc:AlternateContent xmlns:mc="http://schemas.openxmlformats.org/markup-compatibility/2006">
-    <mc:Choice xmlns:p14="http://schemas.microsoft.com/office/powerpoint/2010/main" Requires="p14">
+  <mc:AlternateContent xmlns:mc="http://schemas.openxmlformats.org/markup-compatibility/2006" xmlns:p14="http://schemas.microsoft.com/office/powerpoint/2010/main">
+    <mc:Choice Requires="p14">
       <p:transition spd="med" p14:dur="700">
         <p:fade/>
       </p:transition>
     </mc:Choice>
-    <mc:Fallback>
+    <mc:Fallback xmlns="">
       <p:transition spd="med">
         <p:fade/>
       </p:transition>
@@ -1261,7 +1267,7 @@
           <a:p>
             <a:fld id="{B4F162A1-298F-449F-973D-B4B57BD0B112}" type="datetime1">
               <a:rPr lang="de-DE" smtClean="0"/>
-              <a:t>16.05.2019</a:t>
+              <a:t>17.05.2019</a:t>
             </a:fld>
             <a:endParaRPr lang="de-DE"/>
           </a:p>
@@ -1306,7 +1312,7 @@
           <a:p>
             <a:fld id="{D8537A28-7919-4B2A-B05E-28DB475A12E0}" type="slidenum">
               <a:rPr lang="de-DE" smtClean="0"/>
-              <a:t>‹Nr.›</a:t>
+              <a:t>‹#›</a:t>
             </a:fld>
             <a:endParaRPr lang="de-DE"/>
           </a:p>
@@ -1322,13 +1328,13 @@
   <p:clrMapOvr>
     <a:masterClrMapping/>
   </p:clrMapOvr>
-  <mc:AlternateContent xmlns:mc="http://schemas.openxmlformats.org/markup-compatibility/2006">
-    <mc:Choice xmlns:p14="http://schemas.microsoft.com/office/powerpoint/2010/main" Requires="p14">
+  <mc:AlternateContent xmlns:mc="http://schemas.openxmlformats.org/markup-compatibility/2006" xmlns:p14="http://schemas.microsoft.com/office/powerpoint/2010/main">
+    <mc:Choice Requires="p14">
       <p:transition spd="med" p14:dur="700">
         <p:fade/>
       </p:transition>
     </mc:Choice>
-    <mc:Fallback>
+    <mc:Fallback xmlns="">
       <p:transition spd="med">
         <p:fade/>
       </p:transition>
@@ -1530,7 +1536,7 @@
           <a:p>
             <a:fld id="{3EBC4690-C82B-4B5E-B2D6-4510ACCEFEAF}" type="datetime1">
               <a:rPr lang="de-DE" smtClean="0"/>
-              <a:t>16.05.2019</a:t>
+              <a:t>17.05.2019</a:t>
             </a:fld>
             <a:endParaRPr lang="de-DE"/>
           </a:p>
@@ -1575,7 +1581,7 @@
           <a:p>
             <a:fld id="{D8537A28-7919-4B2A-B05E-28DB475A12E0}" type="slidenum">
               <a:rPr lang="de-DE" smtClean="0"/>
-              <a:t>‹Nr.›</a:t>
+              <a:t>‹#›</a:t>
             </a:fld>
             <a:endParaRPr lang="de-DE"/>
           </a:p>
@@ -1629,13 +1635,13 @@
   <p:clrMapOvr>
     <a:masterClrMapping/>
   </p:clrMapOvr>
-  <mc:AlternateContent xmlns:mc="http://schemas.openxmlformats.org/markup-compatibility/2006">
-    <mc:Choice xmlns:p14="http://schemas.microsoft.com/office/powerpoint/2010/main" Requires="p14">
+  <mc:AlternateContent xmlns:mc="http://schemas.openxmlformats.org/markup-compatibility/2006" xmlns:p14="http://schemas.microsoft.com/office/powerpoint/2010/main">
+    <mc:Choice Requires="p14">
       <p:transition spd="med" p14:dur="700">
         <p:fade/>
       </p:transition>
     </mc:Choice>
-    <mc:Fallback>
+    <mc:Fallback xmlns="">
       <p:transition spd="med">
         <p:fade/>
       </p:transition>
@@ -1871,7 +1877,7 @@
           <a:p>
             <a:fld id="{E7D8A538-D1F9-4F0C-A485-987BE7AF77D4}" type="datetime1">
               <a:rPr lang="de-DE" smtClean="0"/>
-              <a:t>16.05.2019</a:t>
+              <a:t>17.05.2019</a:t>
             </a:fld>
             <a:endParaRPr lang="de-DE"/>
           </a:p>
@@ -1916,7 +1922,7 @@
           <a:p>
             <a:fld id="{D8537A28-7919-4B2A-B05E-28DB475A12E0}" type="slidenum">
               <a:rPr lang="de-DE" smtClean="0"/>
-              <a:t>‹Nr.›</a:t>
+              <a:t>‹#›</a:t>
             </a:fld>
             <a:endParaRPr lang="de-DE"/>
           </a:p>
@@ -1932,13 +1938,13 @@
   <p:clrMapOvr>
     <a:masterClrMapping/>
   </p:clrMapOvr>
-  <mc:AlternateContent xmlns:mc="http://schemas.openxmlformats.org/markup-compatibility/2006">
-    <mc:Choice xmlns:p14="http://schemas.microsoft.com/office/powerpoint/2010/main" Requires="p14">
+  <mc:AlternateContent xmlns:mc="http://schemas.openxmlformats.org/markup-compatibility/2006" xmlns:p14="http://schemas.microsoft.com/office/powerpoint/2010/main">
+    <mc:Choice Requires="p14">
       <p:transition spd="med" p14:dur="700">
         <p:fade/>
       </p:transition>
     </mc:Choice>
-    <mc:Fallback>
+    <mc:Fallback xmlns="">
       <p:transition spd="med">
         <p:fade/>
       </p:transition>
@@ -2337,7 +2343,7 @@
           <a:p>
             <a:fld id="{0185D233-7CA9-4884-AA74-680B6B46B793}" type="datetime1">
               <a:rPr lang="de-DE" smtClean="0"/>
-              <a:t>16.05.2019</a:t>
+              <a:t>17.05.2019</a:t>
             </a:fld>
             <a:endParaRPr lang="de-DE"/>
           </a:p>
@@ -2382,7 +2388,7 @@
           <a:p>
             <a:fld id="{D8537A28-7919-4B2A-B05E-28DB475A12E0}" type="slidenum">
               <a:rPr lang="de-DE" smtClean="0"/>
-              <a:t>‹Nr.›</a:t>
+              <a:t>‹#›</a:t>
             </a:fld>
             <a:endParaRPr lang="de-DE"/>
           </a:p>
@@ -2398,13 +2404,13 @@
   <p:clrMapOvr>
     <a:masterClrMapping/>
   </p:clrMapOvr>
-  <mc:AlternateContent xmlns:mc="http://schemas.openxmlformats.org/markup-compatibility/2006">
-    <mc:Choice xmlns:p14="http://schemas.microsoft.com/office/powerpoint/2010/main" Requires="p14">
+  <mc:AlternateContent xmlns:mc="http://schemas.openxmlformats.org/markup-compatibility/2006" xmlns:p14="http://schemas.microsoft.com/office/powerpoint/2010/main">
+    <mc:Choice Requires="p14">
       <p:transition spd="med" p14:dur="700">
         <p:fade/>
       </p:transition>
     </mc:Choice>
-    <mc:Fallback>
+    <mc:Fallback xmlns="">
       <p:transition spd="med">
         <p:fade/>
       </p:transition>
@@ -2470,7 +2476,7 @@
           <a:p>
             <a:fld id="{0AAF2595-9238-4662-ADB3-18A6FD71C8AA}" type="datetime1">
               <a:rPr lang="de-DE" smtClean="0"/>
-              <a:t>16.05.2019</a:t>
+              <a:t>17.05.2019</a:t>
             </a:fld>
             <a:endParaRPr lang="de-DE"/>
           </a:p>
@@ -2515,7 +2521,7 @@
           <a:p>
             <a:fld id="{D8537A28-7919-4B2A-B05E-28DB475A12E0}" type="slidenum">
               <a:rPr lang="de-DE" smtClean="0"/>
-              <a:t>‹Nr.›</a:t>
+              <a:t>‹#›</a:t>
             </a:fld>
             <a:endParaRPr lang="de-DE"/>
           </a:p>
@@ -2531,13 +2537,13 @@
   <p:clrMapOvr>
     <a:masterClrMapping/>
   </p:clrMapOvr>
-  <mc:AlternateContent xmlns:mc="http://schemas.openxmlformats.org/markup-compatibility/2006">
-    <mc:Choice xmlns:p14="http://schemas.microsoft.com/office/powerpoint/2010/main" Requires="p14">
+  <mc:AlternateContent xmlns:mc="http://schemas.openxmlformats.org/markup-compatibility/2006" xmlns:p14="http://schemas.microsoft.com/office/powerpoint/2010/main">
+    <mc:Choice Requires="p14">
       <p:transition spd="med" p14:dur="700">
         <p:fade/>
       </p:transition>
     </mc:Choice>
-    <mc:Fallback>
+    <mc:Fallback xmlns="">
       <p:transition spd="med">
         <p:fade/>
       </p:transition>
@@ -2580,7 +2586,7 @@
           <a:p>
             <a:fld id="{249E6DC8-6DEC-4E6D-84C5-E2A16F0C489E}" type="datetime1">
               <a:rPr lang="de-DE" smtClean="0"/>
-              <a:t>16.05.2019</a:t>
+              <a:t>17.05.2019</a:t>
             </a:fld>
             <a:endParaRPr lang="de-DE"/>
           </a:p>
@@ -2625,7 +2631,7 @@
           <a:p>
             <a:fld id="{D8537A28-7919-4B2A-B05E-28DB475A12E0}" type="slidenum">
               <a:rPr lang="de-DE" smtClean="0"/>
-              <a:t>‹Nr.›</a:t>
+              <a:t>‹#›</a:t>
             </a:fld>
             <a:endParaRPr lang="de-DE"/>
           </a:p>
@@ -2641,13 +2647,13 @@
   <p:clrMapOvr>
     <a:masterClrMapping/>
   </p:clrMapOvr>
-  <mc:AlternateContent xmlns:mc="http://schemas.openxmlformats.org/markup-compatibility/2006">
-    <mc:Choice xmlns:p14="http://schemas.microsoft.com/office/powerpoint/2010/main" Requires="p14">
+  <mc:AlternateContent xmlns:mc="http://schemas.openxmlformats.org/markup-compatibility/2006" xmlns:p14="http://schemas.microsoft.com/office/powerpoint/2010/main">
+    <mc:Choice Requires="p14">
       <p:transition spd="med" p14:dur="700">
         <p:fade/>
       </p:transition>
     </mc:Choice>
-    <mc:Fallback>
+    <mc:Fallback xmlns="">
       <p:transition spd="med">
         <p:fade/>
       </p:transition>
@@ -2882,7 +2888,7 @@
           <a:p>
             <a:fld id="{884C2DE6-83B1-42F1-A362-F3C20251B038}" type="datetime1">
               <a:rPr lang="de-DE" smtClean="0"/>
-              <a:t>16.05.2019</a:t>
+              <a:t>17.05.2019</a:t>
             </a:fld>
             <a:endParaRPr lang="de-DE"/>
           </a:p>
@@ -2927,7 +2933,7 @@
           <a:p>
             <a:fld id="{D8537A28-7919-4B2A-B05E-28DB475A12E0}" type="slidenum">
               <a:rPr lang="de-DE" smtClean="0"/>
-              <a:t>‹Nr.›</a:t>
+              <a:t>‹#›</a:t>
             </a:fld>
             <a:endParaRPr lang="de-DE"/>
           </a:p>
@@ -2943,13 +2949,13 @@
   <p:clrMapOvr>
     <a:masterClrMapping/>
   </p:clrMapOvr>
-  <mc:AlternateContent xmlns:mc="http://schemas.openxmlformats.org/markup-compatibility/2006">
-    <mc:Choice xmlns:p14="http://schemas.microsoft.com/office/powerpoint/2010/main" Requires="p14">
+  <mc:AlternateContent xmlns:mc="http://schemas.openxmlformats.org/markup-compatibility/2006" xmlns:p14="http://schemas.microsoft.com/office/powerpoint/2010/main">
+    <mc:Choice Requires="p14">
       <p:transition spd="med" p14:dur="700">
         <p:fade/>
       </p:transition>
     </mc:Choice>
-    <mc:Fallback>
+    <mc:Fallback xmlns="">
       <p:transition spd="med">
         <p:fade/>
       </p:transition>
@@ -3222,7 +3228,7 @@
           <a:p>
             <a:fld id="{1BFD2658-DA63-49AC-B6BD-0B3CE046EC11}" type="datetime1">
               <a:rPr lang="de-DE" smtClean="0"/>
-              <a:t>16.05.2019</a:t>
+              <a:t>17.05.2019</a:t>
             </a:fld>
             <a:endParaRPr lang="de-DE"/>
           </a:p>
@@ -3267,7 +3273,7 @@
           <a:p>
             <a:fld id="{D8537A28-7919-4B2A-B05E-28DB475A12E0}" type="slidenum">
               <a:rPr lang="de-DE" smtClean="0"/>
-              <a:t>‹Nr.›</a:t>
+              <a:t>‹#›</a:t>
             </a:fld>
             <a:endParaRPr lang="de-DE"/>
           </a:p>
@@ -3283,13 +3289,13 @@
   <p:clrMapOvr>
     <a:masterClrMapping/>
   </p:clrMapOvr>
-  <mc:AlternateContent xmlns:mc="http://schemas.openxmlformats.org/markup-compatibility/2006">
-    <mc:Choice xmlns:p14="http://schemas.microsoft.com/office/powerpoint/2010/main" Requires="p14">
+  <mc:AlternateContent xmlns:mc="http://schemas.openxmlformats.org/markup-compatibility/2006" xmlns:p14="http://schemas.microsoft.com/office/powerpoint/2010/main">
+    <mc:Choice Requires="p14">
       <p:transition spd="med" p14:dur="700">
         <p:fade/>
       </p:transition>
     </mc:Choice>
-    <mc:Fallback>
+    <mc:Fallback xmlns="">
       <p:transition spd="med">
         <p:fade/>
       </p:transition>
@@ -3491,7 +3497,7 @@
           <a:p>
             <a:fld id="{589C19F9-058B-4FF7-8731-14EB75FE2047}" type="datetime1">
               <a:rPr lang="de-DE" smtClean="0"/>
-              <a:t>16.05.2019</a:t>
+              <a:t>17.05.2019</a:t>
             </a:fld>
             <a:endParaRPr lang="de-DE"/>
           </a:p>
@@ -3576,7 +3582,7 @@
           <a:p>
             <a:fld id="{D8537A28-7919-4B2A-B05E-28DB475A12E0}" type="slidenum">
               <a:rPr lang="de-DE" smtClean="0"/>
-              <a:t>‹Nr.›</a:t>
+              <a:t>‹#›</a:t>
             </a:fld>
             <a:endParaRPr lang="de-DE"/>
           </a:p>
@@ -3603,13 +3609,13 @@
     <p:sldLayoutId id="2147483670" r:id="rId10"/>
     <p:sldLayoutId id="2147483671" r:id="rId11"/>
   </p:sldLayoutIdLst>
-  <mc:AlternateContent xmlns:mc="http://schemas.openxmlformats.org/markup-compatibility/2006">
-    <mc:Choice xmlns:p14="http://schemas.microsoft.com/office/powerpoint/2010/main" Requires="p14">
+  <mc:AlternateContent xmlns:mc="http://schemas.openxmlformats.org/markup-compatibility/2006" xmlns:p14="http://schemas.microsoft.com/office/powerpoint/2010/main">
+    <mc:Choice Requires="p14">
       <p:transition spd="med" p14:dur="700">
         <p:fade/>
       </p:transition>
     </mc:Choice>
-    <mc:Fallback>
+    <mc:Fallback xmlns="">
       <p:transition spd="med">
         <p:fade/>
       </p:transition>
@@ -4061,7 +4067,7 @@
           <a:p>
             <a:r>
               <a:rPr lang="de-DE" dirty="0"/>
-              <a:t>Emanuel Günther, Leopold Michael, Patrik Creuzburg und Robert Siedler</a:t>
+              <a:t>Emanuel Günther, Leopold Michael, Patrick Creutzburg und Robert Siedler</a:t>
             </a:r>
           </a:p>
         </p:txBody>
@@ -4076,13 +4082,13 @@
   <p:clrMapOvr>
     <a:masterClrMapping/>
   </p:clrMapOvr>
-  <mc:AlternateContent xmlns:mc="http://schemas.openxmlformats.org/markup-compatibility/2006">
-    <mc:Choice xmlns:p14="http://schemas.microsoft.com/office/powerpoint/2010/main" Requires="p14">
+  <mc:AlternateContent xmlns:mc="http://schemas.openxmlformats.org/markup-compatibility/2006" xmlns:p14="http://schemas.microsoft.com/office/powerpoint/2010/main">
+    <mc:Choice Requires="p14">
       <p:transition spd="med" p14:dur="700">
         <p:fade/>
       </p:transition>
     </mc:Choice>
-    <mc:Fallback>
+    <mc:Fallback xmlns="">
       <p:transition spd="med">
         <p:fade/>
       </p:transition>
@@ -4110,6 +4116,189 @@
       </p:grpSpPr>
       <p:sp>
         <p:nvSpPr>
+          <p:cNvPr id="2" name="Title 1">
+            <a:extLst>
+              <a:ext uri="{FF2B5EF4-FFF2-40B4-BE49-F238E27FC236}">
+                <a16:creationId xmlns:a16="http://schemas.microsoft.com/office/drawing/2014/main" id="{19120985-792F-424D-A7AB-50E469498C2E}"/>
+              </a:ext>
+            </a:extLst>
+          </p:cNvPr>
+          <p:cNvSpPr>
+            <a:spLocks noGrp="1"/>
+          </p:cNvSpPr>
+          <p:nvPr>
+            <p:ph type="title"/>
+          </p:nvPr>
+        </p:nvSpPr>
+        <p:spPr/>
+        <p:txBody>
+          <a:bodyPr/>
+          <a:lstStyle/>
+          <a:p>
+            <a:r>
+              <a:rPr lang="de-DE" dirty="0"/>
+              <a:t>Quellcode</a:t>
+            </a:r>
+          </a:p>
+        </p:txBody>
+      </p:sp>
+      <p:sp>
+        <p:nvSpPr>
+          <p:cNvPr id="3" name="Content Placeholder 2">
+            <a:extLst>
+              <a:ext uri="{FF2B5EF4-FFF2-40B4-BE49-F238E27FC236}">
+                <a16:creationId xmlns:a16="http://schemas.microsoft.com/office/drawing/2014/main" id="{2D11F729-CDBD-4D94-B58C-A33D51F840EE}"/>
+              </a:ext>
+            </a:extLst>
+          </p:cNvPr>
+          <p:cNvSpPr>
+            <a:spLocks noGrp="1"/>
+          </p:cNvSpPr>
+          <p:nvPr>
+            <p:ph idx="1"/>
+          </p:nvPr>
+        </p:nvSpPr>
+        <p:spPr/>
+        <p:txBody>
+          <a:bodyPr/>
+          <a:lstStyle/>
+          <a:p>
+            <a:endParaRPr lang="de-DE"/>
+          </a:p>
+        </p:txBody>
+      </p:sp>
+      <p:sp>
+        <p:nvSpPr>
+          <p:cNvPr id="4" name="Date Placeholder 3">
+            <a:extLst>
+              <a:ext uri="{FF2B5EF4-FFF2-40B4-BE49-F238E27FC236}">
+                <a16:creationId xmlns:a16="http://schemas.microsoft.com/office/drawing/2014/main" id="{99E922F2-9379-49DD-BB0A-9089504E04DF}"/>
+              </a:ext>
+            </a:extLst>
+          </p:cNvPr>
+          <p:cNvSpPr>
+            <a:spLocks noGrp="1"/>
+          </p:cNvSpPr>
+          <p:nvPr>
+            <p:ph type="dt" sz="half" idx="10"/>
+          </p:nvPr>
+        </p:nvSpPr>
+        <p:spPr/>
+        <p:txBody>
+          <a:bodyPr/>
+          <a:lstStyle/>
+          <a:p>
+            <a:fld id="{B4F162A1-298F-449F-973D-B4B57BD0B112}" type="datetime1">
+              <a:rPr lang="de-DE" smtClean="0"/>
+              <a:t>17.05.2019</a:t>
+            </a:fld>
+            <a:endParaRPr lang="de-DE"/>
+          </a:p>
+        </p:txBody>
+      </p:sp>
+      <p:sp>
+        <p:nvSpPr>
+          <p:cNvPr id="5" name="Footer Placeholder 4">
+            <a:extLst>
+              <a:ext uri="{FF2B5EF4-FFF2-40B4-BE49-F238E27FC236}">
+                <a16:creationId xmlns:a16="http://schemas.microsoft.com/office/drawing/2014/main" id="{9FBB113C-96A5-4859-879E-9EDE8F6267DB}"/>
+              </a:ext>
+            </a:extLst>
+          </p:cNvPr>
+          <p:cNvSpPr>
+            <a:spLocks noGrp="1"/>
+          </p:cNvSpPr>
+          <p:nvPr>
+            <p:ph type="ftr" sz="quarter" idx="11"/>
+          </p:nvPr>
+        </p:nvSpPr>
+        <p:spPr/>
+        <p:txBody>
+          <a:bodyPr/>
+          <a:lstStyle/>
+          <a:p>
+            <a:r>
+              <a:rPr lang="de-DE"/>
+              <a:t>E. Günther,M. Leopold,P. Creuzburg,R. Siedler</a:t>
+            </a:r>
+          </a:p>
+        </p:txBody>
+      </p:sp>
+      <p:sp>
+        <p:nvSpPr>
+          <p:cNvPr id="6" name="Slide Number Placeholder 5">
+            <a:extLst>
+              <a:ext uri="{FF2B5EF4-FFF2-40B4-BE49-F238E27FC236}">
+                <a16:creationId xmlns:a16="http://schemas.microsoft.com/office/drawing/2014/main" id="{17D15347-6492-48AC-9916-9BD0727053E7}"/>
+              </a:ext>
+            </a:extLst>
+          </p:cNvPr>
+          <p:cNvSpPr>
+            <a:spLocks noGrp="1"/>
+          </p:cNvSpPr>
+          <p:nvPr>
+            <p:ph type="sldNum" sz="quarter" idx="12"/>
+          </p:nvPr>
+        </p:nvSpPr>
+        <p:spPr/>
+        <p:txBody>
+          <a:bodyPr>
+            <a:normAutofit lnSpcReduction="10000"/>
+          </a:bodyPr>
+          <a:lstStyle/>
+          <a:p>
+            <a:fld id="{D8537A28-7919-4B2A-B05E-28DB475A12E0}" type="slidenum">
+              <a:rPr lang="de-DE" smtClean="0"/>
+              <a:t>10</a:t>
+            </a:fld>
+            <a:endParaRPr lang="de-DE"/>
+          </a:p>
+        </p:txBody>
+      </p:sp>
+    </p:spTree>
+    <p:extLst>
+      <p:ext uri="{BB962C8B-B14F-4D97-AF65-F5344CB8AC3E}">
+        <p14:creationId xmlns:p14="http://schemas.microsoft.com/office/powerpoint/2010/main" val="2392099229"/>
+      </p:ext>
+    </p:extLst>
+  </p:cSld>
+  <p:clrMapOvr>
+    <a:masterClrMapping/>
+  </p:clrMapOvr>
+  <mc:AlternateContent xmlns:mc="http://schemas.openxmlformats.org/markup-compatibility/2006" xmlns:p14="http://schemas.microsoft.com/office/powerpoint/2010/main">
+    <mc:Choice Requires="p14">
+      <p:transition spd="med" p14:dur="700">
+        <p:fade/>
+      </p:transition>
+    </mc:Choice>
+    <mc:Fallback xmlns="">
+      <p:transition spd="med">
+        <p:fade/>
+      </p:transition>
+    </mc:Fallback>
+  </mc:AlternateContent>
+</p:sld>
+</file>
+
+<file path=ppt/slides/slide11.xml><?xml version="1.0" encoding="utf-8"?>
+<p:sld xmlns:a="http://schemas.openxmlformats.org/drawingml/2006/main" xmlns:r="http://schemas.openxmlformats.org/officeDocument/2006/relationships" xmlns:p="http://schemas.openxmlformats.org/presentationml/2006/main">
+  <p:cSld>
+    <p:spTree>
+      <p:nvGrpSpPr>
+        <p:cNvPr id="1" name=""/>
+        <p:cNvGrpSpPr/>
+        <p:nvPr/>
+      </p:nvGrpSpPr>
+      <p:grpSpPr>
+        <a:xfrm>
+          <a:off x="0" y="0"/>
+          <a:ext cx="0" cy="0"/>
+          <a:chOff x="0" y="0"/>
+          <a:chExt cx="0" cy="0"/>
+        </a:xfrm>
+      </p:grpSpPr>
+      <p:sp>
+        <p:nvSpPr>
           <p:cNvPr id="2" name="Titel 1">
             <a:extLst>
               <a:ext uri="{FF2B5EF4-FFF2-40B4-BE49-F238E27FC236}">
@@ -4184,7 +4373,7 @@
           <a:p>
             <a:fld id="{B4F162A1-298F-449F-973D-B4B57BD0B112}" type="datetime1">
               <a:rPr lang="de-DE" smtClean="0"/>
-              <a:t>16.05.2019</a:t>
+              <a:t>17.05.2019</a:t>
             </a:fld>
             <a:endParaRPr lang="de-DE"/>
           </a:p>
@@ -4243,7 +4432,7 @@
           <a:p>
             <a:fld id="{D8537A28-7919-4B2A-B05E-28DB475A12E0}" type="slidenum">
               <a:rPr lang="de-DE" smtClean="0"/>
-              <a:t>10</a:t>
+              <a:t>11</a:t>
             </a:fld>
             <a:endParaRPr lang="de-DE"/>
           </a:p>
@@ -4277,7 +4466,7 @@
           <a:graphicData uri="http://schemas.openxmlformats.org/presentationml/2006/ole">
             <mc:AlternateContent xmlns:mc="http://schemas.openxmlformats.org/markup-compatibility/2006">
               <mc:Choice xmlns:v="urn:schemas-microsoft-com:vml" Requires="v">
-                <p:oleObj spid="_x0000_s8199" name="Acrobat Document" r:id="rId3" imgW="5667174" imgH="8019998" progId="AcroExch.Document.DC">
+                <p:oleObj spid="_x0000_s8201" name="Acrobat Document" r:id="rId3" imgW="5667174" imgH="8019998" progId="AcroExch.Document.DC">
                   <p:embed/>
                 </p:oleObj>
               </mc:Choice>
@@ -4322,236 +4511,13 @@
   <p:clrMapOvr>
     <a:masterClrMapping/>
   </p:clrMapOvr>
-  <mc:AlternateContent xmlns:mc="http://schemas.openxmlformats.org/markup-compatibility/2006">
-    <mc:Choice xmlns:p14="http://schemas.microsoft.com/office/powerpoint/2010/main" Requires="p14">
+  <mc:AlternateContent xmlns:mc="http://schemas.openxmlformats.org/markup-compatibility/2006" xmlns:p14="http://schemas.microsoft.com/office/powerpoint/2010/main">
+    <mc:Choice Requires="p14">
       <p:transition spd="med" p14:dur="700">
         <p:fade/>
       </p:transition>
     </mc:Choice>
-    <mc:Fallback>
-      <p:transition spd="med">
-        <p:fade/>
-      </p:transition>
-    </mc:Fallback>
-  </mc:AlternateContent>
-</p:sld>
-</file>
-
-<file path=ppt/slides/slide11.xml><?xml version="1.0" encoding="utf-8"?>
-<p:sld xmlns:a="http://schemas.openxmlformats.org/drawingml/2006/main" xmlns:r="http://schemas.openxmlformats.org/officeDocument/2006/relationships" xmlns:p="http://schemas.openxmlformats.org/presentationml/2006/main">
-  <p:cSld>
-    <p:spTree>
-      <p:nvGrpSpPr>
-        <p:cNvPr id="1" name=""/>
-        <p:cNvGrpSpPr/>
-        <p:nvPr/>
-      </p:nvGrpSpPr>
-      <p:grpSpPr>
-        <a:xfrm>
-          <a:off x="0" y="0"/>
-          <a:ext cx="0" cy="0"/>
-          <a:chOff x="0" y="0"/>
-          <a:chExt cx="0" cy="0"/>
-        </a:xfrm>
-      </p:grpSpPr>
-      <p:sp>
-        <p:nvSpPr>
-          <p:cNvPr id="2" name="Titel 1">
-            <a:extLst>
-              <a:ext uri="{FF2B5EF4-FFF2-40B4-BE49-F238E27FC236}">
-                <a16:creationId xmlns:a16="http://schemas.microsoft.com/office/drawing/2014/main" id="{D83D8319-DF6A-4025-9238-3F012DAF7328}"/>
-              </a:ext>
-            </a:extLst>
-          </p:cNvPr>
-          <p:cNvSpPr>
-            <a:spLocks noGrp="1"/>
-          </p:cNvSpPr>
-          <p:nvPr>
-            <p:ph type="title"/>
-          </p:nvPr>
-        </p:nvSpPr>
-        <p:spPr/>
-        <p:txBody>
-          <a:bodyPr/>
-          <a:lstStyle/>
-          <a:p>
-            <a:r>
-              <a:rPr lang="de-DE" dirty="0" err="1"/>
-              <a:t>Verbesserungmöglichkeiten</a:t>
-            </a:r>
-            <a:endParaRPr lang="de-DE" dirty="0"/>
-          </a:p>
-        </p:txBody>
-      </p:sp>
-      <p:sp>
-        <p:nvSpPr>
-          <p:cNvPr id="3" name="Inhaltsplatzhalter 2">
-            <a:extLst>
-              <a:ext uri="{FF2B5EF4-FFF2-40B4-BE49-F238E27FC236}">
-                <a16:creationId xmlns:a16="http://schemas.microsoft.com/office/drawing/2014/main" id="{E03C6D75-8E47-421B-9112-CFA142B29E26}"/>
-              </a:ext>
-            </a:extLst>
-          </p:cNvPr>
-          <p:cNvSpPr>
-            <a:spLocks noGrp="1"/>
-          </p:cNvSpPr>
-          <p:nvPr>
-            <p:ph idx="1"/>
-          </p:nvPr>
-        </p:nvSpPr>
-        <p:spPr/>
-        <p:txBody>
-          <a:bodyPr/>
-          <a:lstStyle/>
-          <a:p>
-            <a:r>
-              <a:rPr lang="de-DE" dirty="0"/>
-              <a:t>Einführung von </a:t>
-            </a:r>
-            <a:r>
-              <a:rPr lang="de-DE" dirty="0" err="1"/>
-              <a:t>hg</a:t>
-            </a:r>
-            <a:r>
-              <a:rPr lang="de-DE" dirty="0"/>
-              <a:t>/</a:t>
-            </a:r>
-            <a:r>
-              <a:rPr lang="de-DE" dirty="0" err="1"/>
-              <a:t>git</a:t>
-            </a:r>
-            <a:r>
-              <a:rPr lang="de-DE" dirty="0"/>
-              <a:t> am Anfang des Ersten Semesters mit leicht vorgegebener Struktur</a:t>
-            </a:r>
-          </a:p>
-          <a:p>
-            <a:r>
-              <a:rPr lang="de-DE" dirty="0"/>
-              <a:t>Bessere Protokollierungsgenauigkeit</a:t>
-            </a:r>
-          </a:p>
-          <a:p>
-            <a:r>
-              <a:rPr lang="de-DE" dirty="0"/>
-              <a:t> Nicht lang an Problemen (z.B. </a:t>
-            </a:r>
-            <a:r>
-              <a:rPr lang="de-DE" dirty="0" err="1"/>
-              <a:t>Gradle</a:t>
-            </a:r>
-            <a:r>
-              <a:rPr lang="de-DE" dirty="0"/>
-              <a:t>) verweilen</a:t>
-            </a:r>
-          </a:p>
-        </p:txBody>
-      </p:sp>
-      <p:sp>
-        <p:nvSpPr>
-          <p:cNvPr id="4" name="Datumsplatzhalter 3">
-            <a:extLst>
-              <a:ext uri="{FF2B5EF4-FFF2-40B4-BE49-F238E27FC236}">
-                <a16:creationId xmlns:a16="http://schemas.microsoft.com/office/drawing/2014/main" id="{0F4815BE-F31F-4633-8152-F4A21EF2DAB5}"/>
-              </a:ext>
-            </a:extLst>
-          </p:cNvPr>
-          <p:cNvSpPr>
-            <a:spLocks noGrp="1"/>
-          </p:cNvSpPr>
-          <p:nvPr>
-            <p:ph type="dt" sz="half" idx="10"/>
-          </p:nvPr>
-        </p:nvSpPr>
-        <p:spPr/>
-        <p:txBody>
-          <a:bodyPr/>
-          <a:lstStyle/>
-          <a:p>
-            <a:fld id="{B4F162A1-298F-449F-973D-B4B57BD0B112}" type="datetime1">
-              <a:rPr lang="de-DE" smtClean="0"/>
-              <a:t>16.05.2019</a:t>
-            </a:fld>
-            <a:endParaRPr lang="de-DE"/>
-          </a:p>
-        </p:txBody>
-      </p:sp>
-      <p:sp>
-        <p:nvSpPr>
-          <p:cNvPr id="5" name="Fußzeilenplatzhalter 4">
-            <a:extLst>
-              <a:ext uri="{FF2B5EF4-FFF2-40B4-BE49-F238E27FC236}">
-                <a16:creationId xmlns:a16="http://schemas.microsoft.com/office/drawing/2014/main" id="{559F044F-2ABA-4114-AC91-C03AD1B94E30}"/>
-              </a:ext>
-            </a:extLst>
-          </p:cNvPr>
-          <p:cNvSpPr>
-            <a:spLocks noGrp="1"/>
-          </p:cNvSpPr>
-          <p:nvPr>
-            <p:ph type="ftr" sz="quarter" idx="11"/>
-          </p:nvPr>
-        </p:nvSpPr>
-        <p:spPr/>
-        <p:txBody>
-          <a:bodyPr/>
-          <a:lstStyle/>
-          <a:p>
-            <a:r>
-              <a:rPr lang="de-DE"/>
-              <a:t>E. Günther,M. Leopold,P. Creuzburg,R. Siedler</a:t>
-            </a:r>
-          </a:p>
-        </p:txBody>
-      </p:sp>
-      <p:sp>
-        <p:nvSpPr>
-          <p:cNvPr id="6" name="Foliennummernplatzhalter 5">
-            <a:extLst>
-              <a:ext uri="{FF2B5EF4-FFF2-40B4-BE49-F238E27FC236}">
-                <a16:creationId xmlns:a16="http://schemas.microsoft.com/office/drawing/2014/main" id="{189A46DD-F207-411A-9B5B-FFC4D6C053E7}"/>
-              </a:ext>
-            </a:extLst>
-          </p:cNvPr>
-          <p:cNvSpPr>
-            <a:spLocks noGrp="1"/>
-          </p:cNvSpPr>
-          <p:nvPr>
-            <p:ph type="sldNum" sz="quarter" idx="12"/>
-          </p:nvPr>
-        </p:nvSpPr>
-        <p:spPr/>
-        <p:txBody>
-          <a:bodyPr>
-            <a:normAutofit lnSpcReduction="10000"/>
-          </a:bodyPr>
-          <a:lstStyle/>
-          <a:p>
-            <a:fld id="{D8537A28-7919-4B2A-B05E-28DB475A12E0}" type="slidenum">
-              <a:rPr lang="de-DE" smtClean="0"/>
-              <a:t>11</a:t>
-            </a:fld>
-            <a:endParaRPr lang="de-DE"/>
-          </a:p>
-        </p:txBody>
-      </p:sp>
-    </p:spTree>
-    <p:extLst>
-      <p:ext uri="{BB962C8B-B14F-4D97-AF65-F5344CB8AC3E}">
-        <p14:creationId xmlns:p14="http://schemas.microsoft.com/office/powerpoint/2010/main" val="1648190734"/>
-      </p:ext>
-    </p:extLst>
-  </p:cSld>
-  <p:clrMapOvr>
-    <a:masterClrMapping/>
-  </p:clrMapOvr>
-  <mc:AlternateContent xmlns:mc="http://schemas.openxmlformats.org/markup-compatibility/2006">
-    <mc:Choice xmlns:p14="http://schemas.microsoft.com/office/powerpoint/2010/main" Requires="p14">
-      <p:transition spd="med" p14:dur="700">
-        <p:fade/>
-      </p:transition>
-    </mc:Choice>
-    <mc:Fallback>
+    <mc:Fallback xmlns="">
       <p:transition spd="med">
         <p:fade/>
       </p:transition>
@@ -4582,6 +4548,229 @@
           <p:cNvPr id="2" name="Titel 1">
             <a:extLst>
               <a:ext uri="{FF2B5EF4-FFF2-40B4-BE49-F238E27FC236}">
+                <a16:creationId xmlns:a16="http://schemas.microsoft.com/office/drawing/2014/main" id="{D83D8319-DF6A-4025-9238-3F012DAF7328}"/>
+              </a:ext>
+            </a:extLst>
+          </p:cNvPr>
+          <p:cNvSpPr>
+            <a:spLocks noGrp="1"/>
+          </p:cNvSpPr>
+          <p:nvPr>
+            <p:ph type="title"/>
+          </p:nvPr>
+        </p:nvSpPr>
+        <p:spPr/>
+        <p:txBody>
+          <a:bodyPr/>
+          <a:lstStyle/>
+          <a:p>
+            <a:r>
+              <a:rPr lang="de-DE" dirty="0" err="1"/>
+              <a:t>Verbesserungmöglichkeiten</a:t>
+            </a:r>
+            <a:endParaRPr lang="de-DE" dirty="0"/>
+          </a:p>
+        </p:txBody>
+      </p:sp>
+      <p:sp>
+        <p:nvSpPr>
+          <p:cNvPr id="3" name="Inhaltsplatzhalter 2">
+            <a:extLst>
+              <a:ext uri="{FF2B5EF4-FFF2-40B4-BE49-F238E27FC236}">
+                <a16:creationId xmlns:a16="http://schemas.microsoft.com/office/drawing/2014/main" id="{E03C6D75-8E47-421B-9112-CFA142B29E26}"/>
+              </a:ext>
+            </a:extLst>
+          </p:cNvPr>
+          <p:cNvSpPr>
+            <a:spLocks noGrp="1"/>
+          </p:cNvSpPr>
+          <p:nvPr>
+            <p:ph idx="1"/>
+          </p:nvPr>
+        </p:nvSpPr>
+        <p:spPr/>
+        <p:txBody>
+          <a:bodyPr/>
+          <a:lstStyle/>
+          <a:p>
+            <a:r>
+              <a:rPr lang="de-DE" dirty="0"/>
+              <a:t>Einführung von </a:t>
+            </a:r>
+            <a:r>
+              <a:rPr lang="de-DE" dirty="0" err="1"/>
+              <a:t>hg</a:t>
+            </a:r>
+            <a:r>
+              <a:rPr lang="de-DE" dirty="0"/>
+              <a:t>/</a:t>
+            </a:r>
+            <a:r>
+              <a:rPr lang="de-DE" dirty="0" err="1"/>
+              <a:t>git</a:t>
+            </a:r>
+            <a:r>
+              <a:rPr lang="de-DE" dirty="0"/>
+              <a:t> am Anfang des Ersten Semesters mit leicht vorgegebener Struktur</a:t>
+            </a:r>
+          </a:p>
+          <a:p>
+            <a:r>
+              <a:rPr lang="de-DE" dirty="0"/>
+              <a:t>Bessere Protokollierungsgenauigkeit</a:t>
+            </a:r>
+          </a:p>
+          <a:p>
+            <a:r>
+              <a:rPr lang="de-DE" dirty="0"/>
+              <a:t> Nicht lang an Problemen (z.B. </a:t>
+            </a:r>
+            <a:r>
+              <a:rPr lang="de-DE" dirty="0" err="1"/>
+              <a:t>Gradle</a:t>
+            </a:r>
+            <a:r>
+              <a:rPr lang="de-DE" dirty="0"/>
+              <a:t>) verweilen</a:t>
+            </a:r>
+          </a:p>
+        </p:txBody>
+      </p:sp>
+      <p:sp>
+        <p:nvSpPr>
+          <p:cNvPr id="4" name="Datumsplatzhalter 3">
+            <a:extLst>
+              <a:ext uri="{FF2B5EF4-FFF2-40B4-BE49-F238E27FC236}">
+                <a16:creationId xmlns:a16="http://schemas.microsoft.com/office/drawing/2014/main" id="{0F4815BE-F31F-4633-8152-F4A21EF2DAB5}"/>
+              </a:ext>
+            </a:extLst>
+          </p:cNvPr>
+          <p:cNvSpPr>
+            <a:spLocks noGrp="1"/>
+          </p:cNvSpPr>
+          <p:nvPr>
+            <p:ph type="dt" sz="half" idx="10"/>
+          </p:nvPr>
+        </p:nvSpPr>
+        <p:spPr/>
+        <p:txBody>
+          <a:bodyPr/>
+          <a:lstStyle/>
+          <a:p>
+            <a:fld id="{B4F162A1-298F-449F-973D-B4B57BD0B112}" type="datetime1">
+              <a:rPr lang="de-DE" smtClean="0"/>
+              <a:t>17.05.2019</a:t>
+            </a:fld>
+            <a:endParaRPr lang="de-DE"/>
+          </a:p>
+        </p:txBody>
+      </p:sp>
+      <p:sp>
+        <p:nvSpPr>
+          <p:cNvPr id="5" name="Fußzeilenplatzhalter 4">
+            <a:extLst>
+              <a:ext uri="{FF2B5EF4-FFF2-40B4-BE49-F238E27FC236}">
+                <a16:creationId xmlns:a16="http://schemas.microsoft.com/office/drawing/2014/main" id="{559F044F-2ABA-4114-AC91-C03AD1B94E30}"/>
+              </a:ext>
+            </a:extLst>
+          </p:cNvPr>
+          <p:cNvSpPr>
+            <a:spLocks noGrp="1"/>
+          </p:cNvSpPr>
+          <p:nvPr>
+            <p:ph type="ftr" sz="quarter" idx="11"/>
+          </p:nvPr>
+        </p:nvSpPr>
+        <p:spPr/>
+        <p:txBody>
+          <a:bodyPr/>
+          <a:lstStyle/>
+          <a:p>
+            <a:r>
+              <a:rPr lang="de-DE"/>
+              <a:t>E. Günther,M. Leopold,P. Creuzburg,R. Siedler</a:t>
+            </a:r>
+          </a:p>
+        </p:txBody>
+      </p:sp>
+      <p:sp>
+        <p:nvSpPr>
+          <p:cNvPr id="6" name="Foliennummernplatzhalter 5">
+            <a:extLst>
+              <a:ext uri="{FF2B5EF4-FFF2-40B4-BE49-F238E27FC236}">
+                <a16:creationId xmlns:a16="http://schemas.microsoft.com/office/drawing/2014/main" id="{189A46DD-F207-411A-9B5B-FFC4D6C053E7}"/>
+              </a:ext>
+            </a:extLst>
+          </p:cNvPr>
+          <p:cNvSpPr>
+            <a:spLocks noGrp="1"/>
+          </p:cNvSpPr>
+          <p:nvPr>
+            <p:ph type="sldNum" sz="quarter" idx="12"/>
+          </p:nvPr>
+        </p:nvSpPr>
+        <p:spPr/>
+        <p:txBody>
+          <a:bodyPr>
+            <a:normAutofit lnSpcReduction="10000"/>
+          </a:bodyPr>
+          <a:lstStyle/>
+          <a:p>
+            <a:fld id="{D8537A28-7919-4B2A-B05E-28DB475A12E0}" type="slidenum">
+              <a:rPr lang="de-DE" smtClean="0"/>
+              <a:t>12</a:t>
+            </a:fld>
+            <a:endParaRPr lang="de-DE"/>
+          </a:p>
+        </p:txBody>
+      </p:sp>
+    </p:spTree>
+    <p:extLst>
+      <p:ext uri="{BB962C8B-B14F-4D97-AF65-F5344CB8AC3E}">
+        <p14:creationId xmlns:p14="http://schemas.microsoft.com/office/powerpoint/2010/main" val="1648190734"/>
+      </p:ext>
+    </p:extLst>
+  </p:cSld>
+  <p:clrMapOvr>
+    <a:masterClrMapping/>
+  </p:clrMapOvr>
+  <mc:AlternateContent xmlns:mc="http://schemas.openxmlformats.org/markup-compatibility/2006" xmlns:p14="http://schemas.microsoft.com/office/powerpoint/2010/main">
+    <mc:Choice Requires="p14">
+      <p:transition spd="med" p14:dur="700">
+        <p:fade/>
+      </p:transition>
+    </mc:Choice>
+    <mc:Fallback xmlns="">
+      <p:transition spd="med">
+        <p:fade/>
+      </p:transition>
+    </mc:Fallback>
+  </mc:AlternateContent>
+</p:sld>
+</file>
+
+<file path=ppt/slides/slide13.xml><?xml version="1.0" encoding="utf-8"?>
+<p:sld xmlns:a="http://schemas.openxmlformats.org/drawingml/2006/main" xmlns:r="http://schemas.openxmlformats.org/officeDocument/2006/relationships" xmlns:p="http://schemas.openxmlformats.org/presentationml/2006/main">
+  <p:cSld>
+    <p:spTree>
+      <p:nvGrpSpPr>
+        <p:cNvPr id="1" name=""/>
+        <p:cNvGrpSpPr/>
+        <p:nvPr/>
+      </p:nvGrpSpPr>
+      <p:grpSpPr>
+        <a:xfrm>
+          <a:off x="0" y="0"/>
+          <a:ext cx="0" cy="0"/>
+          <a:chOff x="0" y="0"/>
+          <a:chExt cx="0" cy="0"/>
+        </a:xfrm>
+      </p:grpSpPr>
+      <p:sp>
+        <p:nvSpPr>
+          <p:cNvPr id="2" name="Titel 1">
+            <a:extLst>
+              <a:ext uri="{FF2B5EF4-FFF2-40B4-BE49-F238E27FC236}">
                 <a16:creationId xmlns:a16="http://schemas.microsoft.com/office/drawing/2014/main" id="{6DAA6A3C-50C6-436A-A95B-B0890C3B0BAC}"/>
               </a:ext>
             </a:extLst>
@@ -4689,7 +4878,7 @@
           <a:p>
             <a:fld id="{FE2A4AA7-3421-4AF1-9401-B26E51D4C34A}" type="datetime1">
               <a:rPr lang="de-DE" smtClean="0"/>
-              <a:t>16.05.2019</a:t>
+              <a:t>17.05.2019</a:t>
             </a:fld>
             <a:endParaRPr lang="de-DE"/>
           </a:p>
@@ -4748,7 +4937,7 @@
           <a:p>
             <a:fld id="{D8537A28-7919-4B2A-B05E-28DB475A12E0}" type="slidenum">
               <a:rPr lang="de-DE" smtClean="0"/>
-              <a:t>12</a:t>
+              <a:t>13</a:t>
             </a:fld>
             <a:endParaRPr lang="de-DE"/>
           </a:p>
@@ -4764,13 +4953,13 @@
   <p:clrMapOvr>
     <a:masterClrMapping/>
   </p:clrMapOvr>
-  <mc:AlternateContent xmlns:mc="http://schemas.openxmlformats.org/markup-compatibility/2006">
-    <mc:Choice xmlns:p14="http://schemas.microsoft.com/office/powerpoint/2010/main" Requires="p14">
+  <mc:AlternateContent xmlns:mc="http://schemas.openxmlformats.org/markup-compatibility/2006" xmlns:p14="http://schemas.microsoft.com/office/powerpoint/2010/main">
+    <mc:Choice Requires="p14">
       <p:transition spd="med" p14:dur="700">
         <p:fade/>
       </p:transition>
     </mc:Choice>
-    <mc:Fallback>
+    <mc:Fallback xmlns="">
       <p:transition spd="med">
         <p:fade/>
       </p:transition>
@@ -4872,7 +5061,7 @@
           <a:p>
             <a:fld id="{B4F162A1-298F-449F-973D-B4B57BD0B112}" type="datetime1">
               <a:rPr lang="de-DE" smtClean="0"/>
-              <a:t>16.05.2019</a:t>
+              <a:t>17.05.2019</a:t>
             </a:fld>
             <a:endParaRPr lang="de-DE"/>
           </a:p>
@@ -4965,7 +5154,7 @@
           <a:graphicData uri="http://schemas.openxmlformats.org/presentationml/2006/ole">
             <mc:AlternateContent xmlns:mc="http://schemas.openxmlformats.org/markup-compatibility/2006">
               <mc:Choice xmlns:v="urn:schemas-microsoft-com:vml" Requires="v">
-                <p:oleObj spid="_x0000_s6151" name="Acrobat Document" r:id="rId3" imgW="5000592" imgH="895285" progId="AcroExch.Document.DC">
+                <p:oleObj spid="_x0000_s6153" name="Acrobat Document" r:id="rId3" imgW="5000592" imgH="895285" progId="AcroExch.Document.DC">
                   <p:embed/>
                 </p:oleObj>
               </mc:Choice>
@@ -5010,13 +5199,13 @@
   <p:clrMapOvr>
     <a:masterClrMapping/>
   </p:clrMapOvr>
-  <mc:AlternateContent xmlns:mc="http://schemas.openxmlformats.org/markup-compatibility/2006">
-    <mc:Choice xmlns:p14="http://schemas.microsoft.com/office/powerpoint/2010/main" Requires="p14">
+  <mc:AlternateContent xmlns:mc="http://schemas.openxmlformats.org/markup-compatibility/2006" xmlns:p14="http://schemas.microsoft.com/office/powerpoint/2010/main">
+    <mc:Choice Requires="p14">
       <p:transition spd="med" p14:dur="700">
         <p:fade/>
       </p:transition>
     </mc:Choice>
-    <mc:Fallback>
+    <mc:Fallback xmlns="">
       <p:transition spd="med">
         <p:fade/>
       </p:transition>
@@ -5157,7 +5346,7 @@
           <a:p>
             <a:fld id="{B4F162A1-298F-449F-973D-B4B57BD0B112}" type="datetime1">
               <a:rPr lang="de-DE" smtClean="0"/>
-              <a:t>16.05.2019</a:t>
+              <a:t>17.05.2019</a:t>
             </a:fld>
             <a:endParaRPr lang="de-DE"/>
           </a:p>
@@ -5250,7 +5439,7 @@
           <a:graphicData uri="http://schemas.openxmlformats.org/presentationml/2006/ole">
             <mc:AlternateContent xmlns:mc="http://schemas.openxmlformats.org/markup-compatibility/2006">
               <mc:Choice xmlns:v="urn:schemas-microsoft-com:vml" Requires="v">
-                <p:oleObj spid="_x0000_s7176" name="Acrobat Document" r:id="rId3" imgW="4857728" imgH="799788" progId="AcroExch.Document.DC">
+                <p:oleObj spid="_x0000_s7178" name="Acrobat Document" r:id="rId3" imgW="4857728" imgH="799788" progId="AcroExch.Document.DC">
                   <p:embed/>
                 </p:oleObj>
               </mc:Choice>
@@ -5295,13 +5484,13 @@
   <p:clrMapOvr>
     <a:masterClrMapping/>
   </p:clrMapOvr>
-  <mc:AlternateContent xmlns:mc="http://schemas.openxmlformats.org/markup-compatibility/2006">
-    <mc:Choice xmlns:p14="http://schemas.microsoft.com/office/powerpoint/2010/main" Requires="p14">
+  <mc:AlternateContent xmlns:mc="http://schemas.openxmlformats.org/markup-compatibility/2006" xmlns:p14="http://schemas.microsoft.com/office/powerpoint/2010/main">
+    <mc:Choice Requires="p14">
       <p:transition spd="med" p14:dur="700">
         <p:fade/>
       </p:transition>
     </mc:Choice>
-    <mc:Fallback>
+    <mc:Fallback xmlns="">
       <p:transition spd="med">
         <p:fade/>
       </p:transition>
@@ -5403,7 +5592,7 @@
           <a:p>
             <a:fld id="{B4F162A1-298F-449F-973D-B4B57BD0B112}" type="datetime1">
               <a:rPr lang="de-DE" smtClean="0"/>
-              <a:t>16.05.2019</a:t>
+              <a:t>17.05.2019</a:t>
             </a:fld>
             <a:endParaRPr lang="de-DE"/>
           </a:p>
@@ -5478,13 +5667,13 @@
   <p:clrMapOvr>
     <a:masterClrMapping/>
   </p:clrMapOvr>
-  <mc:AlternateContent xmlns:mc="http://schemas.openxmlformats.org/markup-compatibility/2006">
-    <mc:Choice xmlns:p14="http://schemas.microsoft.com/office/powerpoint/2010/main" Requires="p14">
+  <mc:AlternateContent xmlns:mc="http://schemas.openxmlformats.org/markup-compatibility/2006" xmlns:p14="http://schemas.microsoft.com/office/powerpoint/2010/main">
+    <mc:Choice Requires="p14">
       <p:transition spd="med" p14:dur="700">
         <p:fade/>
       </p:transition>
     </mc:Choice>
-    <mc:Fallback>
+    <mc:Fallback xmlns="">
       <p:transition spd="med">
         <p:fade/>
       </p:transition>
@@ -5586,7 +5775,7 @@
           <a:p>
             <a:fld id="{B4F162A1-298F-449F-973D-B4B57BD0B112}" type="datetime1">
               <a:rPr lang="de-DE" smtClean="0"/>
-              <a:t>16.05.2019</a:t>
+              <a:t>17.05.2019</a:t>
             </a:fld>
             <a:endParaRPr lang="de-DE"/>
           </a:p>
@@ -5661,13 +5850,13 @@
   <p:clrMapOvr>
     <a:masterClrMapping/>
   </p:clrMapOvr>
-  <mc:AlternateContent xmlns:mc="http://schemas.openxmlformats.org/markup-compatibility/2006">
-    <mc:Choice xmlns:p14="http://schemas.microsoft.com/office/powerpoint/2010/main" Requires="p14">
+  <mc:AlternateContent xmlns:mc="http://schemas.openxmlformats.org/markup-compatibility/2006" xmlns:p14="http://schemas.microsoft.com/office/powerpoint/2010/main">
+    <mc:Choice Requires="p14">
       <p:transition spd="med" p14:dur="700">
         <p:fade/>
       </p:transition>
     </mc:Choice>
-    <mc:Fallback>
+    <mc:Fallback xmlns="">
       <p:transition spd="med">
         <p:fade/>
       </p:transition>
@@ -5784,7 +5973,7 @@
           <a:p>
             <a:fld id="{225265C2-3B03-420E-9D54-7916D19FF55B}" type="datetime1">
               <a:rPr lang="de-DE" smtClean="0"/>
-              <a:t>16.05.2019</a:t>
+              <a:t>17.05.2019</a:t>
             </a:fld>
             <a:endParaRPr lang="de-DE"/>
           </a:p>
@@ -5957,13 +6146,13 @@
   <p:clrMapOvr>
     <a:masterClrMapping/>
   </p:clrMapOvr>
-  <mc:AlternateContent xmlns:mc="http://schemas.openxmlformats.org/markup-compatibility/2006">
-    <mc:Choice xmlns:p14="http://schemas.microsoft.com/office/powerpoint/2010/main" Requires="p14">
+  <mc:AlternateContent xmlns:mc="http://schemas.openxmlformats.org/markup-compatibility/2006" xmlns:p14="http://schemas.microsoft.com/office/powerpoint/2010/main">
+    <mc:Choice Requires="p14">
       <p:transition spd="med" p14:dur="700">
         <p:fade/>
       </p:transition>
     </mc:Choice>
-    <mc:Fallback>
+    <mc:Fallback xmlns="">
       <p:transition spd="med">
         <p:fade/>
       </p:transition>
@@ -6065,7 +6254,7 @@
           <a:p>
             <a:fld id="{55A419A0-5472-40F1-A769-F5F9D8A54471}" type="datetime1">
               <a:rPr lang="de-DE" smtClean="0"/>
-              <a:t>16.05.2019</a:t>
+              <a:t>17.05.2019</a:t>
             </a:fld>
             <a:endParaRPr lang="de-DE"/>
           </a:p>
@@ -6158,7 +6347,7 @@
           <a:graphicData uri="http://schemas.openxmlformats.org/presentationml/2006/ole">
             <mc:AlternateContent xmlns:mc="http://schemas.openxmlformats.org/markup-compatibility/2006">
               <mc:Choice xmlns:v="urn:schemas-microsoft-com:vml" Requires="v">
-                <p:oleObj spid="_x0000_s2065" name="Acrobat Document" r:id="rId3" imgW="5143456" imgH="3438245" progId="AcroExch.Document.DC">
+                <p:oleObj spid="_x0000_s2069" name="Acrobat Document" r:id="rId3" imgW="5143456" imgH="3438245" progId="AcroExch.Document.DC">
                   <p:embed/>
                 </p:oleObj>
               </mc:Choice>
@@ -6221,7 +6410,7 @@
           <a:graphicData uri="http://schemas.openxmlformats.org/presentationml/2006/ole">
             <mc:AlternateContent xmlns:mc="http://schemas.openxmlformats.org/markup-compatibility/2006">
               <mc:Choice xmlns:v="urn:schemas-microsoft-com:vml" Requires="v">
-                <p:oleObj spid="_x0000_s2066" name="Acrobat Document" r:id="rId5" imgW="5562571" imgH="3343099" progId="AcroExch.Document.DC">
+                <p:oleObj spid="_x0000_s2070" name="Acrobat Document" r:id="rId5" imgW="5562571" imgH="3343099" progId="AcroExch.Document.DC">
                   <p:embed/>
                 </p:oleObj>
               </mc:Choice>
@@ -6272,13 +6461,13 @@
   <p:clrMapOvr>
     <a:masterClrMapping/>
   </p:clrMapOvr>
-  <mc:AlternateContent xmlns:mc="http://schemas.openxmlformats.org/markup-compatibility/2006">
-    <mc:Choice xmlns:p14="http://schemas.microsoft.com/office/powerpoint/2010/main" Requires="p14">
+  <mc:AlternateContent xmlns:mc="http://schemas.openxmlformats.org/markup-compatibility/2006" xmlns:p14="http://schemas.microsoft.com/office/powerpoint/2010/main">
+    <mc:Choice Requires="p14">
       <p:transition spd="med" p14:dur="700">
         <p:fade/>
       </p:transition>
     </mc:Choice>
-    <mc:Fallback>
+    <mc:Fallback xmlns="">
       <p:transition spd="med">
         <p:fade/>
       </p:transition>
@@ -6355,7 +6544,7 @@
           <a:p>
             <a:fld id="{55A419A0-5472-40F1-A769-F5F9D8A54471}" type="datetime1">
               <a:rPr lang="de-DE" smtClean="0"/>
-              <a:t>16.05.2019</a:t>
+              <a:t>17.05.2019</a:t>
             </a:fld>
             <a:endParaRPr lang="de-DE"/>
           </a:p>
@@ -6448,7 +6637,7 @@
           <a:graphicData uri="http://schemas.openxmlformats.org/presentationml/2006/ole">
             <mc:AlternateContent xmlns:mc="http://schemas.openxmlformats.org/markup-compatibility/2006">
               <mc:Choice xmlns:v="urn:schemas-microsoft-com:vml" Requires="v">
-                <p:oleObj spid="_x0000_s1050" name="Acrobat Document" r:id="rId3" imgW="5562720" imgH="3343320" progId="AcroExch.Document.DC">
+                <p:oleObj spid="_x0000_s1056" name="Acrobat Document" r:id="rId3" imgW="5562720" imgH="3343320" progId="AcroExch.Document.DC">
                   <p:embed/>
                 </p:oleObj>
               </mc:Choice>
@@ -6511,7 +6700,7 @@
           <a:graphicData uri="http://schemas.openxmlformats.org/presentationml/2006/ole">
             <mc:AlternateContent xmlns:mc="http://schemas.openxmlformats.org/markup-compatibility/2006">
               <mc:Choice xmlns:v="urn:schemas-microsoft-com:vml" Requires="v">
-                <p:oleObj spid="_x0000_s1051" name="Acrobat Document" r:id="rId5" imgW="4676603" imgH="2885977" progId="AcroExch.Document.DC">
+                <p:oleObj spid="_x0000_s1057" name="Acrobat Document" r:id="rId5" imgW="4676603" imgH="2885977" progId="AcroExch.Document.DC">
                   <p:embed/>
                 </p:oleObj>
               </mc:Choice>
@@ -6580,7 +6769,7 @@
           <a:graphicData uri="http://schemas.openxmlformats.org/presentationml/2006/ole">
             <mc:AlternateContent xmlns:mc="http://schemas.openxmlformats.org/markup-compatibility/2006">
               <mc:Choice xmlns:v="urn:schemas-microsoft-com:vml" Requires="v">
-                <p:oleObj spid="_x0000_s1052" name="Acrobat Document" r:id="rId7" imgW="5210149" imgH="5114710" progId="AcroExch.Document.DC">
+                <p:oleObj spid="_x0000_s1058" name="Acrobat Document" r:id="rId7" imgW="5210149" imgH="5114710" progId="AcroExch.Document.DC">
                   <p:embed/>
                 </p:oleObj>
               </mc:Choice>
@@ -6625,13 +6814,13 @@
   <p:clrMapOvr>
     <a:masterClrMapping/>
   </p:clrMapOvr>
-  <mc:AlternateContent xmlns:mc="http://schemas.openxmlformats.org/markup-compatibility/2006">
-    <mc:Choice xmlns:p14="http://schemas.microsoft.com/office/powerpoint/2010/main" Requires="p14">
+  <mc:AlternateContent xmlns:mc="http://schemas.openxmlformats.org/markup-compatibility/2006" xmlns:p14="http://schemas.microsoft.com/office/powerpoint/2010/main">
+    <mc:Choice Requires="p14">
       <p:transition spd="med" p14:dur="700">
         <p:fade/>
       </p:transition>
     </mc:Choice>
-    <mc:Fallback>
+    <mc:Fallback xmlns="">
       <p:transition spd="med">
         <p:fade/>
       </p:transition>
@@ -6680,7 +6869,7 @@
           <a:p>
             <a:fld id="{B4F162A1-298F-449F-973D-B4B57BD0B112}" type="datetime1">
               <a:rPr lang="de-DE" smtClean="0"/>
-              <a:t>16.05.2019</a:t>
+              <a:t>17.05.2019</a:t>
             </a:fld>
             <a:endParaRPr lang="de-DE"/>
           </a:p>
@@ -6773,7 +6962,7 @@
           <a:graphicData uri="http://schemas.openxmlformats.org/presentationml/2006/ole">
             <mc:AlternateContent xmlns:mc="http://schemas.openxmlformats.org/markup-compatibility/2006">
               <mc:Choice xmlns:v="urn:schemas-microsoft-com:vml" Requires="v">
-                <p:oleObj spid="_x0000_s5154" name="Acrobat Document" r:id="rId3" imgW="4114624" imgH="2314399" progId="AcroExch.Document.DC">
+                <p:oleObj spid="_x0000_s5162" name="Acrobat Document" r:id="rId3" imgW="4114624" imgH="2314399" progId="AcroExch.Document.DC">
                   <p:embed/>
                 </p:oleObj>
               </mc:Choice>
@@ -6836,7 +7025,7 @@
           <a:graphicData uri="http://schemas.openxmlformats.org/presentationml/2006/ole">
             <mc:AlternateContent xmlns:mc="http://schemas.openxmlformats.org/markup-compatibility/2006">
               <mc:Choice xmlns:v="urn:schemas-microsoft-com:vml" Requires="v">
-                <p:oleObj spid="_x0000_s5155" name="Acrobat Document" r:id="rId5" imgW="4114624" imgH="2314399" progId="AcroExch.Document.DC">
+                <p:oleObj spid="_x0000_s5163" name="Acrobat Document" r:id="rId5" imgW="4114624" imgH="2314399" progId="AcroExch.Document.DC">
                   <p:embed/>
                 </p:oleObj>
               </mc:Choice>
@@ -6899,7 +7088,7 @@
           <a:graphicData uri="http://schemas.openxmlformats.org/presentationml/2006/ole">
             <mc:AlternateContent xmlns:mc="http://schemas.openxmlformats.org/markup-compatibility/2006">
               <mc:Choice xmlns:v="urn:schemas-microsoft-com:vml" Requires="v">
-                <p:oleObj spid="_x0000_s5156" name="Acrobat Document" r:id="rId7" imgW="4114624" imgH="2314399" progId="AcroExch.Document.DC">
+                <p:oleObj spid="_x0000_s5164" name="Acrobat Document" r:id="rId7" imgW="4114624" imgH="2314399" progId="AcroExch.Document.DC">
                   <p:embed/>
                 </p:oleObj>
               </mc:Choice>
@@ -6962,7 +7151,7 @@
           <a:graphicData uri="http://schemas.openxmlformats.org/presentationml/2006/ole">
             <mc:AlternateContent xmlns:mc="http://schemas.openxmlformats.org/markup-compatibility/2006">
               <mc:Choice xmlns:v="urn:schemas-microsoft-com:vml" Requires="v">
-                <p:oleObj spid="_x0000_s5157" name="Acrobat Document" r:id="rId9" imgW="4114624" imgH="2314399" progId="AcroExch.Document.DC">
+                <p:oleObj spid="_x0000_s5165" name="Acrobat Document" r:id="rId9" imgW="4114624" imgH="2314399" progId="AcroExch.Document.DC">
                   <p:embed/>
                 </p:oleObj>
               </mc:Choice>
@@ -7063,13 +7252,13 @@
   <p:clrMapOvr>
     <a:masterClrMapping/>
   </p:clrMapOvr>
-  <mc:AlternateContent xmlns:mc="http://schemas.openxmlformats.org/markup-compatibility/2006">
-    <mc:Choice xmlns:p14="http://schemas.microsoft.com/office/powerpoint/2010/main" Requires="p14">
+  <mc:AlternateContent xmlns:mc="http://schemas.openxmlformats.org/markup-compatibility/2006" xmlns:p14="http://schemas.microsoft.com/office/powerpoint/2010/main">
+    <mc:Choice Requires="p14">
       <p:transition spd="med" p14:dur="700">
         <p:fade/>
       </p:transition>
     </mc:Choice>
-    <mc:Fallback>
+    <mc:Fallback xmlns="">
       <p:transition spd="med">
         <p:fade/>
       </p:transition>
